--- a/present.pptx
+++ b/present.pptx
@@ -6,10 +6,18 @@
   </p:sldMasterIdLst>
   <p:sldIdLst>
     <p:sldId id="256" r:id="rId2"/>
-    <p:sldId id="257" r:id="rId3"/>
-    <p:sldId id="258" r:id="rId4"/>
-    <p:sldId id="259" r:id="rId5"/>
-    <p:sldId id="260" r:id="rId6"/>
+    <p:sldId id="264" r:id="rId3"/>
+    <p:sldId id="265" r:id="rId4"/>
+    <p:sldId id="257" r:id="rId5"/>
+    <p:sldId id="258" r:id="rId6"/>
+    <p:sldId id="259" r:id="rId7"/>
+    <p:sldId id="260" r:id="rId8"/>
+    <p:sldId id="261" r:id="rId9"/>
+    <p:sldId id="262" r:id="rId10"/>
+    <p:sldId id="263" r:id="rId11"/>
+    <p:sldId id="266" r:id="rId12"/>
+    <p:sldId id="267" r:id="rId13"/>
+    <p:sldId id="268" r:id="rId14"/>
   </p:sldIdLst>
   <p:sldSz cx="12192000" cy="6858000"/>
   <p:notesSz cx="6858000" cy="9144000"/>
@@ -3315,7 +3323,991 @@
 </p:sld>
 </file>
 
+<file path=ppt/slides/slide10.xml><?xml version="1.0" encoding="utf-8"?>
+<p:sld xmlns:a="http://schemas.openxmlformats.org/drawingml/2006/main" xmlns:r="http://schemas.openxmlformats.org/officeDocument/2006/relationships" xmlns:p="http://schemas.openxmlformats.org/presentationml/2006/main">
+  <p:cSld>
+    <p:bg>
+      <p:bgPr>
+        <a:solidFill>
+          <a:schemeClr val="bg1">
+            <a:lumMod val="95000"/>
+          </a:schemeClr>
+        </a:solidFill>
+        <a:effectLst/>
+      </p:bgPr>
+    </p:bg>
+    <p:spTree>
+      <p:nvGrpSpPr>
+        <p:cNvPr id="1" name=""/>
+        <p:cNvGrpSpPr/>
+        <p:nvPr/>
+      </p:nvGrpSpPr>
+      <p:grpSpPr>
+        <a:xfrm>
+          <a:off x="0" y="0"/>
+          <a:ext cx="0" cy="0"/>
+          <a:chOff x="0" y="0"/>
+          <a:chExt cx="0" cy="0"/>
+        </a:xfrm>
+      </p:grpSpPr>
+      <p:sp>
+        <p:nvSpPr>
+          <p:cNvPr id="11" name="Rectangle 10">
+            <a:extLst>
+              <a:ext uri="{FF2B5EF4-FFF2-40B4-BE49-F238E27FC236}">
+                <a16:creationId xmlns:a16="http://schemas.microsoft.com/office/drawing/2014/main" id="{5FA21C72-692C-49FD-9EB4-DDDDDEBD4BD6}"/>
+              </a:ext>
+              <a:ext uri="{C183D7F6-B498-43B3-948B-1728B52AA6E4}">
+                <adec:decorative xmlns:adec="http://schemas.microsoft.com/office/drawing/2017/decorative" val="1"/>
+              </a:ext>
+            </a:extLst>
+          </p:cNvPr>
+          <p:cNvSpPr>
+            <a:spLocks noGrp="1" noRot="1" noChangeAspect="1" noMove="1" noResize="1" noEditPoints="1" noAdjustHandles="1" noChangeArrowheads="1" noChangeShapeType="1" noTextEdit="1"/>
+          </p:cNvSpPr>
+          <p:nvPr>
+            <p:extLst>
+              <p:ext uri="{386F3935-93C4-4BCD-93E2-E3B085C9AB24}">
+                <p16:designElem xmlns:p16="http://schemas.microsoft.com/office/powerpoint/2015/main" val="1"/>
+              </p:ext>
+            </p:extLst>
+          </p:nvPr>
+        </p:nvSpPr>
+        <p:spPr>
+          <a:xfrm>
+            <a:off x="1575405" y="950977"/>
+            <a:ext cx="9041190" cy="4956047"/>
+          </a:xfrm>
+          <a:prstGeom prst="rect">
+            <a:avLst/>
+          </a:prstGeom>
+          <a:solidFill>
+            <a:srgbClr val="FFFFFF"/>
+          </a:solidFill>
+          <a:ln w="31750">
+            <a:solidFill>
+              <a:srgbClr val="404040"/>
+            </a:solidFill>
+          </a:ln>
+        </p:spPr>
+        <p:style>
+          <a:lnRef idx="2">
+            <a:schemeClr val="accent1">
+              <a:shade val="50000"/>
+            </a:schemeClr>
+          </a:lnRef>
+          <a:fillRef idx="1">
+            <a:schemeClr val="accent1"/>
+          </a:fillRef>
+          <a:effectRef idx="0">
+            <a:schemeClr val="accent1"/>
+          </a:effectRef>
+          <a:fontRef idx="minor">
+            <a:schemeClr val="lt1"/>
+          </a:fontRef>
+        </p:style>
+        <p:txBody>
+          <a:bodyPr rtlCol="0" anchor="ctr"/>
+          <a:lstStyle/>
+          <a:p>
+            <a:pPr algn="ctr"/>
+            <a:endParaRPr lang="en-US"/>
+          </a:p>
+        </p:txBody>
+      </p:sp>
+      <p:pic>
+        <p:nvPicPr>
+          <p:cNvPr id="6" name="Picture 5">
+            <a:extLst>
+              <a:ext uri="{FF2B5EF4-FFF2-40B4-BE49-F238E27FC236}">
+                <a16:creationId xmlns:a16="http://schemas.microsoft.com/office/drawing/2014/main" id="{AAEBF99B-1039-4A60-BD77-08C2D6351D7F}"/>
+              </a:ext>
+            </a:extLst>
+          </p:cNvPr>
+          <p:cNvPicPr>
+            <a:picLocks noChangeAspect="1"/>
+          </p:cNvPicPr>
+          <p:nvPr/>
+        </p:nvPicPr>
+        <p:blipFill>
+          <a:blip r:embed="rId2"/>
+          <a:stretch>
+            <a:fillRect/>
+          </a:stretch>
+        </p:blipFill>
+        <p:spPr>
+          <a:xfrm>
+            <a:off x="4076508" y="1271016"/>
+            <a:ext cx="4494828" cy="4315968"/>
+          </a:xfrm>
+          <a:prstGeom prst="rect">
+            <a:avLst/>
+          </a:prstGeom>
+        </p:spPr>
+      </p:pic>
+      <p:sp>
+        <p:nvSpPr>
+          <p:cNvPr id="13" name="Oval 12">
+            <a:extLst>
+              <a:ext uri="{FF2B5EF4-FFF2-40B4-BE49-F238E27FC236}">
+                <a16:creationId xmlns:a16="http://schemas.microsoft.com/office/drawing/2014/main" id="{FBAF941A-6830-47A3-B63C-7C7B66AEA73B}"/>
+              </a:ext>
+              <a:ext uri="{C183D7F6-B498-43B3-948B-1728B52AA6E4}">
+                <adec:decorative xmlns:adec="http://schemas.microsoft.com/office/drawing/2017/decorative" val="1"/>
+              </a:ext>
+            </a:extLst>
+          </p:cNvPr>
+          <p:cNvSpPr>
+            <a:spLocks noGrp="1" noRot="1" noChangeAspect="1" noMove="1" noResize="1" noEditPoints="1" noAdjustHandles="1" noChangeArrowheads="1" noChangeShapeType="1" noTextEdit="1"/>
+          </p:cNvSpPr>
+          <p:nvPr>
+            <p:extLst>
+              <p:ext uri="{386F3935-93C4-4BCD-93E2-E3B085C9AB24}">
+                <p16:designElem xmlns:p16="http://schemas.microsoft.com/office/powerpoint/2015/main" val="1"/>
+              </p:ext>
+            </p:extLst>
+          </p:nvPr>
+        </p:nvSpPr>
+        <p:spPr>
+          <a:xfrm>
+            <a:off x="632380" y="624518"/>
+            <a:ext cx="2157984" cy="2157984"/>
+          </a:xfrm>
+          <a:prstGeom prst="ellipse">
+            <a:avLst/>
+          </a:prstGeom>
+          <a:solidFill>
+            <a:srgbClr val="404040"/>
+          </a:solidFill>
+          <a:ln w="31750">
+            <a:noFill/>
+          </a:ln>
+        </p:spPr>
+        <p:style>
+          <a:lnRef idx="2">
+            <a:schemeClr val="accent1">
+              <a:shade val="50000"/>
+            </a:schemeClr>
+          </a:lnRef>
+          <a:fillRef idx="1">
+            <a:schemeClr val="accent1"/>
+          </a:fillRef>
+          <a:effectRef idx="0">
+            <a:schemeClr val="accent1"/>
+          </a:effectRef>
+          <a:fontRef idx="minor">
+            <a:schemeClr val="lt1"/>
+          </a:fontRef>
+        </p:style>
+        <p:txBody>
+          <a:bodyPr rtlCol="0" anchor="ctr"/>
+          <a:lstStyle/>
+          <a:p>
+            <a:pPr algn="ctr"/>
+            <a:endParaRPr lang="en-US"/>
+          </a:p>
+        </p:txBody>
+      </p:sp>
+      <p:sp>
+        <p:nvSpPr>
+          <p:cNvPr id="2" name="Title 1">
+            <a:extLst>
+              <a:ext uri="{FF2B5EF4-FFF2-40B4-BE49-F238E27FC236}">
+                <a16:creationId xmlns:a16="http://schemas.microsoft.com/office/drawing/2014/main" id="{6F91F670-CA35-4DA3-A685-2DAE9E945480}"/>
+              </a:ext>
+            </a:extLst>
+          </p:cNvPr>
+          <p:cNvSpPr>
+            <a:spLocks noGrp="1"/>
+          </p:cNvSpPr>
+          <p:nvPr>
+            <p:ph type="title"/>
+          </p:nvPr>
+        </p:nvSpPr>
+        <p:spPr>
+          <a:xfrm>
+            <a:off x="796972" y="789110"/>
+            <a:ext cx="1828800" cy="1828800"/>
+          </a:xfrm>
+          <a:prstGeom prst="ellipse">
+            <a:avLst/>
+          </a:prstGeom>
+          <a:noFill/>
+          <a:ln>
+            <a:solidFill>
+              <a:srgbClr val="FFFFFF"/>
+            </a:solidFill>
+          </a:ln>
+        </p:spPr>
+        <p:txBody>
+          <a:bodyPr vert="horz" lIns="182880" tIns="182880" rIns="182880" bIns="182880" rtlCol="0" anchor="ctr">
+            <a:normAutofit/>
+          </a:bodyPr>
+          <a:lstStyle/>
+          <a:p>
+            <a:r>
+              <a:rPr lang="en-US" sz="1100">
+                <a:solidFill>
+                  <a:srgbClr val="FFFFFF"/>
+                </a:solidFill>
+              </a:rPr>
+              <a:t>Step three – physical data</a:t>
+            </a:r>
+          </a:p>
+        </p:txBody>
+      </p:sp>
+    </p:spTree>
+    <p:extLst>
+      <p:ext uri="{BB962C8B-B14F-4D97-AF65-F5344CB8AC3E}">
+        <p14:creationId xmlns:p14="http://schemas.microsoft.com/office/powerpoint/2010/main" val="558979844"/>
+      </p:ext>
+    </p:extLst>
+  </p:cSld>
+  <p:clrMapOvr>
+    <a:masterClrMapping/>
+  </p:clrMapOvr>
+</p:sld>
+</file>
+
+<file path=ppt/slides/slide11.xml><?xml version="1.0" encoding="utf-8"?>
+<p:sld xmlns:a="http://schemas.openxmlformats.org/drawingml/2006/main" xmlns:r="http://schemas.openxmlformats.org/officeDocument/2006/relationships" xmlns:p="http://schemas.openxmlformats.org/presentationml/2006/main">
+  <p:cSld>
+    <p:spTree>
+      <p:nvGrpSpPr>
+        <p:cNvPr id="1" name=""/>
+        <p:cNvGrpSpPr/>
+        <p:nvPr/>
+      </p:nvGrpSpPr>
+      <p:grpSpPr>
+        <a:xfrm>
+          <a:off x="0" y="0"/>
+          <a:ext cx="0" cy="0"/>
+          <a:chOff x="0" y="0"/>
+          <a:chExt cx="0" cy="0"/>
+        </a:xfrm>
+      </p:grpSpPr>
+      <p:sp>
+        <p:nvSpPr>
+          <p:cNvPr id="2" name="Title 1">
+            <a:extLst>
+              <a:ext uri="{FF2B5EF4-FFF2-40B4-BE49-F238E27FC236}">
+                <a16:creationId xmlns:a16="http://schemas.microsoft.com/office/drawing/2014/main" id="{F3417C06-41FD-4462-A106-F94DF2741E47}"/>
+              </a:ext>
+            </a:extLst>
+          </p:cNvPr>
+          <p:cNvSpPr>
+            <a:spLocks noGrp="1"/>
+          </p:cNvSpPr>
+          <p:nvPr>
+            <p:ph type="title"/>
+          </p:nvPr>
+        </p:nvSpPr>
+        <p:spPr/>
+        <p:txBody>
+          <a:bodyPr/>
+          <a:lstStyle/>
+          <a:p>
+            <a:r>
+              <a:rPr lang="en-US" dirty="0"/>
+              <a:t>Creating </a:t>
+            </a:r>
+            <a:r>
+              <a:rPr lang="en-US" dirty="0" err="1"/>
+              <a:t>UserSpace</a:t>
+            </a:r>
+            <a:r>
+              <a:rPr lang="en-US" dirty="0"/>
+              <a:t> Reader</a:t>
+            </a:r>
+          </a:p>
+        </p:txBody>
+      </p:sp>
+      <p:sp>
+        <p:nvSpPr>
+          <p:cNvPr id="3" name="Content Placeholder 2">
+            <a:extLst>
+              <a:ext uri="{FF2B5EF4-FFF2-40B4-BE49-F238E27FC236}">
+                <a16:creationId xmlns:a16="http://schemas.microsoft.com/office/drawing/2014/main" id="{FD511DA1-5867-42A5-B3B0-3FED403C0263}"/>
+              </a:ext>
+            </a:extLst>
+          </p:cNvPr>
+          <p:cNvSpPr>
+            <a:spLocks noGrp="1"/>
+          </p:cNvSpPr>
+          <p:nvPr>
+            <p:ph idx="1"/>
+          </p:nvPr>
+        </p:nvSpPr>
+        <p:spPr/>
+        <p:txBody>
+          <a:bodyPr/>
+          <a:lstStyle/>
+          <a:p>
+            <a:r>
+              <a:rPr lang="en-US" dirty="0"/>
+              <a:t>Read data from event file</a:t>
+            </a:r>
+          </a:p>
+          <a:p>
+            <a:r>
+              <a:rPr lang="en-US" dirty="0"/>
+              <a:t>Parse states</a:t>
+            </a:r>
+          </a:p>
+          <a:p>
+            <a:r>
+              <a:rPr lang="en-US" dirty="0"/>
+              <a:t>Print out human readable form</a:t>
+            </a:r>
+          </a:p>
+        </p:txBody>
+      </p:sp>
+    </p:spTree>
+    <p:extLst>
+      <p:ext uri="{BB962C8B-B14F-4D97-AF65-F5344CB8AC3E}">
+        <p14:creationId xmlns:p14="http://schemas.microsoft.com/office/powerpoint/2010/main" val="263319491"/>
+      </p:ext>
+    </p:extLst>
+  </p:cSld>
+  <p:clrMapOvr>
+    <a:masterClrMapping/>
+  </p:clrMapOvr>
+</p:sld>
+</file>
+
+<file path=ppt/slides/slide12.xml><?xml version="1.0" encoding="utf-8"?>
+<p:sld xmlns:a="http://schemas.openxmlformats.org/drawingml/2006/main" xmlns:r="http://schemas.openxmlformats.org/officeDocument/2006/relationships" xmlns:p="http://schemas.openxmlformats.org/presentationml/2006/main">
+  <p:cSld>
+    <p:bg>
+      <p:bgPr>
+        <a:solidFill>
+          <a:schemeClr val="bg1"/>
+        </a:solidFill>
+        <a:effectLst/>
+      </p:bgPr>
+    </p:bg>
+    <p:spTree>
+      <p:nvGrpSpPr>
+        <p:cNvPr id="1" name=""/>
+        <p:cNvGrpSpPr/>
+        <p:nvPr/>
+      </p:nvGrpSpPr>
+      <p:grpSpPr>
+        <a:xfrm>
+          <a:off x="0" y="0"/>
+          <a:ext cx="0" cy="0"/>
+          <a:chOff x="0" y="0"/>
+          <a:chExt cx="0" cy="0"/>
+        </a:xfrm>
+      </p:grpSpPr>
+      <p:sp useBgFill="1">
+        <p:nvSpPr>
+          <p:cNvPr id="71" name="Rectangle 70">
+            <a:extLst>
+              <a:ext uri="{FF2B5EF4-FFF2-40B4-BE49-F238E27FC236}">
+                <a16:creationId xmlns:a16="http://schemas.microsoft.com/office/drawing/2014/main" id="{419501C6-F015-4273-AF88-E0F6C853899F}"/>
+              </a:ext>
+              <a:ext uri="{C183D7F6-B498-43B3-948B-1728B52AA6E4}">
+                <adec:decorative xmlns:adec="http://schemas.microsoft.com/office/drawing/2017/decorative" val="1"/>
+              </a:ext>
+            </a:extLst>
+          </p:cNvPr>
+          <p:cNvSpPr>
+            <a:spLocks noGrp="1" noRot="1" noChangeAspect="1" noMove="1" noResize="1" noEditPoints="1" noAdjustHandles="1" noChangeArrowheads="1" noChangeShapeType="1" noTextEdit="1"/>
+          </p:cNvSpPr>
+          <p:nvPr>
+            <p:extLst>
+              <p:ext uri="{386F3935-93C4-4BCD-93E2-E3B085C9AB24}">
+                <p16:designElem xmlns:p16="http://schemas.microsoft.com/office/powerpoint/2015/main" val="1"/>
+              </p:ext>
+            </p:extLst>
+          </p:nvPr>
+        </p:nvSpPr>
+        <p:spPr>
+          <a:xfrm>
+            <a:off x="0" y="0"/>
+            <a:ext cx="12191999" cy="6858000"/>
+          </a:xfrm>
+          <a:prstGeom prst="rect">
+            <a:avLst/>
+          </a:prstGeom>
+          <a:ln>
+            <a:noFill/>
+          </a:ln>
+        </p:spPr>
+        <p:style>
+          <a:lnRef idx="2">
+            <a:schemeClr val="accent1">
+              <a:shade val="50000"/>
+            </a:schemeClr>
+          </a:lnRef>
+          <a:fillRef idx="1">
+            <a:schemeClr val="accent1"/>
+          </a:fillRef>
+          <a:effectRef idx="0">
+            <a:schemeClr val="accent1"/>
+          </a:effectRef>
+          <a:fontRef idx="minor">
+            <a:schemeClr val="lt1"/>
+          </a:fontRef>
+        </p:style>
+        <p:txBody>
+          <a:bodyPr rtlCol="0" anchor="ctr"/>
+          <a:lstStyle/>
+          <a:p>
+            <a:pPr algn="ctr"/>
+            <a:endParaRPr lang="en-US"/>
+          </a:p>
+        </p:txBody>
+      </p:sp>
+      <p:sp>
+        <p:nvSpPr>
+          <p:cNvPr id="73" name="Rectangle 72">
+            <a:extLst>
+              <a:ext uri="{FF2B5EF4-FFF2-40B4-BE49-F238E27FC236}">
+                <a16:creationId xmlns:a16="http://schemas.microsoft.com/office/drawing/2014/main" id="{CA677DB7-5829-45BD-9754-5EC484CC4253}"/>
+              </a:ext>
+              <a:ext uri="{C183D7F6-B498-43B3-948B-1728B52AA6E4}">
+                <adec:decorative xmlns:adec="http://schemas.microsoft.com/office/drawing/2017/decorative" val="1"/>
+              </a:ext>
+            </a:extLst>
+          </p:cNvPr>
+          <p:cNvSpPr>
+            <a:spLocks noGrp="1" noRot="1" noChangeAspect="1" noMove="1" noResize="1" noEditPoints="1" noAdjustHandles="1" noChangeArrowheads="1" noChangeShapeType="1" noTextEdit="1"/>
+          </p:cNvSpPr>
+          <p:nvPr>
+            <p:extLst>
+              <p:ext uri="{386F3935-93C4-4BCD-93E2-E3B085C9AB24}">
+                <p16:designElem xmlns:p16="http://schemas.microsoft.com/office/powerpoint/2015/main" val="1"/>
+              </p:ext>
+            </p:extLst>
+          </p:nvPr>
+        </p:nvSpPr>
+        <p:spPr>
+          <a:xfrm>
+            <a:off x="1" y="1"/>
+            <a:ext cx="4654296" cy="6858000"/>
+          </a:xfrm>
+          <a:prstGeom prst="rect">
+            <a:avLst/>
+          </a:prstGeom>
+          <a:solidFill>
+            <a:schemeClr val="accent2"/>
+          </a:solidFill>
+          <a:ln>
+            <a:noFill/>
+          </a:ln>
+        </p:spPr>
+        <p:style>
+          <a:lnRef idx="2">
+            <a:schemeClr val="accent1">
+              <a:shade val="50000"/>
+            </a:schemeClr>
+          </a:lnRef>
+          <a:fillRef idx="1">
+            <a:schemeClr val="accent1"/>
+          </a:fillRef>
+          <a:effectRef idx="0">
+            <a:schemeClr val="accent1"/>
+          </a:effectRef>
+          <a:fontRef idx="minor">
+            <a:schemeClr val="lt1"/>
+          </a:fontRef>
+        </p:style>
+        <p:txBody>
+          <a:bodyPr rtlCol="0" anchor="ctr"/>
+          <a:lstStyle/>
+          <a:p>
+            <a:pPr algn="ctr"/>
+            <a:endParaRPr lang="en-US"/>
+          </a:p>
+        </p:txBody>
+      </p:sp>
+      <p:sp>
+        <p:nvSpPr>
+          <p:cNvPr id="2" name="Title 1">
+            <a:extLst>
+              <a:ext uri="{FF2B5EF4-FFF2-40B4-BE49-F238E27FC236}">
+                <a16:creationId xmlns:a16="http://schemas.microsoft.com/office/drawing/2014/main" id="{8DB6AD25-FE0D-4571-8403-BA7D964D2343}"/>
+              </a:ext>
+            </a:extLst>
+          </p:cNvPr>
+          <p:cNvSpPr>
+            <a:spLocks noGrp="1"/>
+          </p:cNvSpPr>
+          <p:nvPr>
+            <p:ph type="title"/>
+          </p:nvPr>
+        </p:nvSpPr>
+        <p:spPr>
+          <a:xfrm>
+            <a:off x="804672" y="2404872"/>
+            <a:ext cx="3044950" cy="1627792"/>
+          </a:xfrm>
+        </p:spPr>
+        <p:txBody>
+          <a:bodyPr vert="horz" lIns="274320" tIns="182880" rIns="274320" bIns="182880" rtlCol="0" anchor="ctr" anchorCtr="1">
+            <a:normAutofit/>
+          </a:bodyPr>
+          <a:lstStyle/>
+          <a:p>
+            <a:r>
+              <a:rPr lang="en-US" dirty="0"/>
+              <a:t>Finished Product</a:t>
+            </a:r>
+          </a:p>
+        </p:txBody>
+      </p:sp>
+      <p:pic>
+        <p:nvPicPr>
+          <p:cNvPr id="1026" name="Picture 1" descr="image001">
+            <a:extLst>
+              <a:ext uri="{FF2B5EF4-FFF2-40B4-BE49-F238E27FC236}">
+                <a16:creationId xmlns:a16="http://schemas.microsoft.com/office/drawing/2014/main" id="{1E9269BC-9124-4E98-A11C-C0727628E1F1}"/>
+              </a:ext>
+            </a:extLst>
+          </p:cNvPr>
+          <p:cNvPicPr>
+            <a:picLocks noChangeAspect="1" noChangeArrowheads="1"/>
+          </p:cNvPicPr>
+          <p:nvPr/>
+        </p:nvPicPr>
+        <p:blipFill>
+          <a:blip r:embed="rId2">
+            <a:extLst>
+              <a:ext uri="{28A0092B-C50C-407E-A947-70E740481C1C}">
+                <a14:useLocalDpi xmlns:a14="http://schemas.microsoft.com/office/drawing/2010/main" val="0"/>
+              </a:ext>
+            </a:extLst>
+          </a:blip>
+          <a:stretch>
+            <a:fillRect/>
+          </a:stretch>
+        </p:blipFill>
+        <p:spPr bwMode="auto">
+          <a:xfrm>
+            <a:off x="7199759" y="250799"/>
+            <a:ext cx="2446778" cy="6356402"/>
+          </a:xfrm>
+          <a:prstGeom prst="rect">
+            <a:avLst/>
+          </a:prstGeom>
+          <a:noFill/>
+          <a:extLst>
+            <a:ext uri="{909E8E84-426E-40DD-AFC4-6F175D3DCCD1}">
+              <a14:hiddenFill xmlns:a14="http://schemas.microsoft.com/office/drawing/2010/main">
+                <a:solidFill>
+                  <a:srgbClr val="FFFFFF"/>
+                </a:solidFill>
+              </a14:hiddenFill>
+            </a:ext>
+            <a:ext uri="{91240B29-F687-4F45-9708-019B960494DF}">
+              <a14:hiddenLine xmlns:a14="http://schemas.microsoft.com/office/drawing/2010/main" w="9525">
+                <a:solidFill>
+                  <a:srgbClr val="000000"/>
+                </a:solidFill>
+                <a:miter lim="800000"/>
+                <a:headEnd/>
+                <a:tailEnd/>
+              </a14:hiddenLine>
+            </a:ext>
+          </a:extLst>
+        </p:spPr>
+      </p:pic>
+    </p:spTree>
+    <p:extLst>
+      <p:ext uri="{BB962C8B-B14F-4D97-AF65-F5344CB8AC3E}">
+        <p14:creationId xmlns:p14="http://schemas.microsoft.com/office/powerpoint/2010/main" val="2386854005"/>
+      </p:ext>
+    </p:extLst>
+  </p:cSld>
+  <p:clrMapOvr>
+    <a:masterClrMapping/>
+  </p:clrMapOvr>
+</p:sld>
+</file>
+
+<file path=ppt/slides/slide13.xml><?xml version="1.0" encoding="utf-8"?>
+<p:sld xmlns:a="http://schemas.openxmlformats.org/drawingml/2006/main" xmlns:r="http://schemas.openxmlformats.org/officeDocument/2006/relationships" xmlns:p="http://schemas.openxmlformats.org/presentationml/2006/main">
+  <p:cSld>
+    <p:spTree>
+      <p:nvGrpSpPr>
+        <p:cNvPr id="1" name=""/>
+        <p:cNvGrpSpPr/>
+        <p:nvPr/>
+      </p:nvGrpSpPr>
+      <p:grpSpPr>
+        <a:xfrm>
+          <a:off x="0" y="0"/>
+          <a:ext cx="0" cy="0"/>
+          <a:chOff x="0" y="0"/>
+          <a:chExt cx="0" cy="0"/>
+        </a:xfrm>
+      </p:grpSpPr>
+      <p:sp>
+        <p:nvSpPr>
+          <p:cNvPr id="2" name="Title 1">
+            <a:extLst>
+              <a:ext uri="{FF2B5EF4-FFF2-40B4-BE49-F238E27FC236}">
+                <a16:creationId xmlns:a16="http://schemas.microsoft.com/office/drawing/2014/main" id="{0BD5F863-10E3-47DB-ABFE-80AAFA937720}"/>
+              </a:ext>
+            </a:extLst>
+          </p:cNvPr>
+          <p:cNvSpPr>
+            <a:spLocks noGrp="1"/>
+          </p:cNvSpPr>
+          <p:nvPr>
+            <p:ph type="title"/>
+          </p:nvPr>
+        </p:nvSpPr>
+        <p:spPr/>
+        <p:txBody>
+          <a:bodyPr/>
+          <a:lstStyle/>
+          <a:p>
+            <a:r>
+              <a:rPr lang="en-US" dirty="0"/>
+              <a:t>Possible Steps forward</a:t>
+            </a:r>
+          </a:p>
+        </p:txBody>
+      </p:sp>
+      <p:sp>
+        <p:nvSpPr>
+          <p:cNvPr id="3" name="Content Placeholder 2">
+            <a:extLst>
+              <a:ext uri="{FF2B5EF4-FFF2-40B4-BE49-F238E27FC236}">
+                <a16:creationId xmlns:a16="http://schemas.microsoft.com/office/drawing/2014/main" id="{167D7997-D10A-4EA6-B3D6-77DF0C2C5134}"/>
+              </a:ext>
+            </a:extLst>
+          </p:cNvPr>
+          <p:cNvSpPr>
+            <a:spLocks noGrp="1"/>
+          </p:cNvSpPr>
+          <p:nvPr>
+            <p:ph idx="1"/>
+          </p:nvPr>
+        </p:nvSpPr>
+        <p:spPr/>
+        <p:txBody>
+          <a:bodyPr/>
+          <a:lstStyle/>
+          <a:p>
+            <a:r>
+              <a:rPr lang="en-US" dirty="0"/>
+              <a:t>Output: LED, vibrations.</a:t>
+            </a:r>
+          </a:p>
+          <a:p>
+            <a:r>
+              <a:rPr lang="en-US" dirty="0"/>
+              <a:t>Allow multiplexing of multiple controllers by a single program</a:t>
+            </a:r>
+          </a:p>
+          <a:p>
+            <a:r>
+              <a:rPr lang="en-US" dirty="0"/>
+              <a:t>Play some video games!</a:t>
+            </a:r>
+          </a:p>
+        </p:txBody>
+      </p:sp>
+    </p:spTree>
+    <p:extLst>
+      <p:ext uri="{BB962C8B-B14F-4D97-AF65-F5344CB8AC3E}">
+        <p14:creationId xmlns:p14="http://schemas.microsoft.com/office/powerpoint/2010/main" val="2562319389"/>
+      </p:ext>
+    </p:extLst>
+  </p:cSld>
+  <p:clrMapOvr>
+    <a:masterClrMapping/>
+  </p:clrMapOvr>
+</p:sld>
+</file>
+
 <file path=ppt/slides/slide2.xml><?xml version="1.0" encoding="utf-8"?>
+<p:sld xmlns:a="http://schemas.openxmlformats.org/drawingml/2006/main" xmlns:r="http://schemas.openxmlformats.org/officeDocument/2006/relationships" xmlns:p="http://schemas.openxmlformats.org/presentationml/2006/main">
+  <p:cSld>
+    <p:spTree>
+      <p:nvGrpSpPr>
+        <p:cNvPr id="1" name=""/>
+        <p:cNvGrpSpPr/>
+        <p:nvPr/>
+      </p:nvGrpSpPr>
+      <p:grpSpPr>
+        <a:xfrm>
+          <a:off x="0" y="0"/>
+          <a:ext cx="0" cy="0"/>
+          <a:chOff x="0" y="0"/>
+          <a:chExt cx="0" cy="0"/>
+        </a:xfrm>
+      </p:grpSpPr>
+      <p:sp>
+        <p:nvSpPr>
+          <p:cNvPr id="2" name="Title 1">
+            <a:extLst>
+              <a:ext uri="{FF2B5EF4-FFF2-40B4-BE49-F238E27FC236}">
+                <a16:creationId xmlns:a16="http://schemas.microsoft.com/office/drawing/2014/main" id="{AF0A8D3F-CD60-4AD6-85D7-FA541A97F7D9}"/>
+              </a:ext>
+            </a:extLst>
+          </p:cNvPr>
+          <p:cNvSpPr>
+            <a:spLocks noGrp="1"/>
+          </p:cNvSpPr>
+          <p:nvPr>
+            <p:ph type="title"/>
+          </p:nvPr>
+        </p:nvSpPr>
+        <p:spPr/>
+        <p:txBody>
+          <a:bodyPr/>
+          <a:lstStyle/>
+          <a:p>
+            <a:r>
+              <a:rPr lang="en-US" dirty="0"/>
+              <a:t>Motivation</a:t>
+            </a:r>
+          </a:p>
+        </p:txBody>
+      </p:sp>
+      <p:sp>
+        <p:nvSpPr>
+          <p:cNvPr id="3" name="Content Placeholder 2">
+            <a:extLst>
+              <a:ext uri="{FF2B5EF4-FFF2-40B4-BE49-F238E27FC236}">
+                <a16:creationId xmlns:a16="http://schemas.microsoft.com/office/drawing/2014/main" id="{DAB8B1E2-4D77-41AD-9089-98B79B062EA3}"/>
+              </a:ext>
+            </a:extLst>
+          </p:cNvPr>
+          <p:cNvSpPr>
+            <a:spLocks noGrp="1"/>
+          </p:cNvSpPr>
+          <p:nvPr>
+            <p:ph idx="1"/>
+          </p:nvPr>
+        </p:nvSpPr>
+        <p:spPr/>
+        <p:txBody>
+          <a:bodyPr/>
+          <a:lstStyle/>
+          <a:p>
+            <a:r>
+              <a:rPr lang="en-US" dirty="0"/>
+              <a:t>Linux users often need to write their own patches</a:t>
+            </a:r>
+          </a:p>
+          <a:p>
+            <a:r>
+              <a:rPr lang="en-US" dirty="0"/>
+              <a:t>Important to understand how to access and parse different types of data streams</a:t>
+            </a:r>
+          </a:p>
+          <a:p>
+            <a:r>
+              <a:rPr lang="en-US" dirty="0"/>
+              <a:t>Gaming on Linux is seriously lacking</a:t>
+            </a:r>
+          </a:p>
+          <a:p>
+            <a:r>
+              <a:rPr lang="en-US" dirty="0"/>
+              <a:t>FUN!</a:t>
+            </a:r>
+          </a:p>
+        </p:txBody>
+      </p:sp>
+    </p:spTree>
+    <p:extLst>
+      <p:ext uri="{BB962C8B-B14F-4D97-AF65-F5344CB8AC3E}">
+        <p14:creationId xmlns:p14="http://schemas.microsoft.com/office/powerpoint/2010/main" val="3704103007"/>
+      </p:ext>
+    </p:extLst>
+  </p:cSld>
+  <p:clrMapOvr>
+    <a:masterClrMapping/>
+  </p:clrMapOvr>
+</p:sld>
+</file>
+
+<file path=ppt/slides/slide3.xml><?xml version="1.0" encoding="utf-8"?>
+<p:sld xmlns:a="http://schemas.openxmlformats.org/drawingml/2006/main" xmlns:r="http://schemas.openxmlformats.org/officeDocument/2006/relationships" xmlns:p="http://schemas.openxmlformats.org/presentationml/2006/main">
+  <p:cSld>
+    <p:spTree>
+      <p:nvGrpSpPr>
+        <p:cNvPr id="1" name=""/>
+        <p:cNvGrpSpPr/>
+        <p:nvPr/>
+      </p:nvGrpSpPr>
+      <p:grpSpPr>
+        <a:xfrm>
+          <a:off x="0" y="0"/>
+          <a:ext cx="0" cy="0"/>
+          <a:chOff x="0" y="0"/>
+          <a:chExt cx="0" cy="0"/>
+        </a:xfrm>
+      </p:grpSpPr>
+      <p:sp>
+        <p:nvSpPr>
+          <p:cNvPr id="2" name="Title 1">
+            <a:extLst>
+              <a:ext uri="{FF2B5EF4-FFF2-40B4-BE49-F238E27FC236}">
+                <a16:creationId xmlns:a16="http://schemas.microsoft.com/office/drawing/2014/main" id="{5D46767F-133B-421D-9F28-EF41170D60E3}"/>
+              </a:ext>
+            </a:extLst>
+          </p:cNvPr>
+          <p:cNvSpPr>
+            <a:spLocks noGrp="1"/>
+          </p:cNvSpPr>
+          <p:nvPr>
+            <p:ph type="title"/>
+          </p:nvPr>
+        </p:nvSpPr>
+        <p:spPr/>
+        <p:txBody>
+          <a:bodyPr/>
+          <a:lstStyle/>
+          <a:p>
+            <a:r>
+              <a:rPr lang="en-US" dirty="0"/>
+              <a:t>Goals</a:t>
+            </a:r>
+          </a:p>
+        </p:txBody>
+      </p:sp>
+      <p:sp>
+        <p:nvSpPr>
+          <p:cNvPr id="3" name="Content Placeholder 2">
+            <a:extLst>
+              <a:ext uri="{FF2B5EF4-FFF2-40B4-BE49-F238E27FC236}">
+                <a16:creationId xmlns:a16="http://schemas.microsoft.com/office/drawing/2014/main" id="{DFB64CBD-0A39-414C-B1D6-CC0770C57D6A}"/>
+              </a:ext>
+            </a:extLst>
+          </p:cNvPr>
+          <p:cNvSpPr>
+            <a:spLocks noGrp="1"/>
+          </p:cNvSpPr>
+          <p:nvPr>
+            <p:ph idx="1"/>
+          </p:nvPr>
+        </p:nvSpPr>
+        <p:spPr/>
+        <p:txBody>
+          <a:bodyPr>
+            <a:normAutofit/>
+          </a:bodyPr>
+          <a:lstStyle/>
+          <a:p>
+            <a:r>
+              <a:rPr lang="en-US" dirty="0"/>
+              <a:t>Kernel Module:</a:t>
+            </a:r>
+          </a:p>
+          <a:p>
+            <a:pPr lvl="1"/>
+            <a:r>
+              <a:rPr lang="en-US" dirty="0"/>
+              <a:t>Detects when </a:t>
+            </a:r>
+            <a:r>
+              <a:rPr lang="en-US" dirty="0" err="1"/>
+              <a:t>xbox</a:t>
+            </a:r>
+            <a:r>
+              <a:rPr lang="en-US" dirty="0"/>
+              <a:t> controller is plugged in</a:t>
+            </a:r>
+          </a:p>
+          <a:p>
+            <a:pPr lvl="1"/>
+            <a:r>
+              <a:rPr lang="en-US" dirty="0"/>
+              <a:t>Reads input data stream from </a:t>
+            </a:r>
+            <a:r>
+              <a:rPr lang="en-US" dirty="0" err="1"/>
+              <a:t>xbox</a:t>
+            </a:r>
+            <a:r>
+              <a:rPr lang="en-US" dirty="0"/>
+              <a:t> </a:t>
+            </a:r>
+          </a:p>
+          <a:p>
+            <a:pPr lvl="1"/>
+            <a:r>
+              <a:rPr lang="en-US" dirty="0"/>
+              <a:t>Parses data as fully state table</a:t>
+            </a:r>
+          </a:p>
+          <a:p>
+            <a:pPr lvl="1"/>
+            <a:r>
+              <a:rPr lang="en-US" dirty="0"/>
+              <a:t>Writes events to file</a:t>
+            </a:r>
+          </a:p>
+          <a:p>
+            <a:r>
+              <a:rPr lang="en-US" dirty="0"/>
+              <a:t>C Program</a:t>
+            </a:r>
+          </a:p>
+          <a:p>
+            <a:pPr lvl="1"/>
+            <a:r>
+              <a:rPr lang="en-US" dirty="0"/>
+              <a:t>Reads parsed data written by module</a:t>
+            </a:r>
+          </a:p>
+          <a:p>
+            <a:pPr lvl="1"/>
+            <a:r>
+              <a:rPr lang="en-US" dirty="0"/>
+              <a:t>Outputs human readable results</a:t>
+            </a:r>
+          </a:p>
+          <a:p>
+            <a:pPr lvl="1"/>
+            <a:endParaRPr lang="en-US" dirty="0"/>
+          </a:p>
+          <a:p>
+            <a:pPr lvl="1"/>
+            <a:endParaRPr lang="en-US" dirty="0"/>
+          </a:p>
+          <a:p>
+            <a:pPr lvl="1"/>
+            <a:endParaRPr lang="en-US" dirty="0"/>
+          </a:p>
+          <a:p>
+            <a:pPr lvl="1"/>
+            <a:endParaRPr lang="en-US" dirty="0"/>
+          </a:p>
+          <a:p>
+            <a:pPr lvl="1"/>
+            <a:endParaRPr lang="en-US" dirty="0"/>
+          </a:p>
+          <a:p>
+            <a:pPr marL="228600" lvl="1" indent="0">
+              <a:buNone/>
+            </a:pPr>
+            <a:endParaRPr lang="en-US" dirty="0"/>
+          </a:p>
+        </p:txBody>
+      </p:sp>
+    </p:spTree>
+    <p:extLst>
+      <p:ext uri="{BB962C8B-B14F-4D97-AF65-F5344CB8AC3E}">
+        <p14:creationId xmlns:p14="http://schemas.microsoft.com/office/powerpoint/2010/main" val="3845938144"/>
+      </p:ext>
+    </p:extLst>
+  </p:cSld>
+  <p:clrMapOvr>
+    <a:masterClrMapping/>
+  </p:clrMapOvr>
+</p:sld>
+</file>
+
+<file path=ppt/slides/slide4.xml><?xml version="1.0" encoding="utf-8"?>
 <p:sld xmlns:a="http://schemas.openxmlformats.org/drawingml/2006/main" xmlns:r="http://schemas.openxmlformats.org/officeDocument/2006/relationships" xmlns:p="http://schemas.openxmlformats.org/presentationml/2006/main">
   <p:cSld>
     <p:spTree>
@@ -3392,10 +4384,10 @@
       </p:pic>
       <p:pic>
         <p:nvPicPr>
-          <p:cNvPr id="6" name="Picture 5">
+          <p:cNvPr id="7" name="Picture 6">
             <a:extLst>
               <a:ext uri="{FF2B5EF4-FFF2-40B4-BE49-F238E27FC236}">
-                <a16:creationId xmlns:a16="http://schemas.microsoft.com/office/drawing/2014/main" id="{211E4582-CC57-4959-AAC8-BBB4B1EE7A05}"/>
+                <a16:creationId xmlns:a16="http://schemas.microsoft.com/office/drawing/2014/main" id="{C0EDA623-3D5D-4EB3-AE53-579F020DEF85}"/>
               </a:ext>
             </a:extLst>
           </p:cNvPr>
@@ -3412,8 +4404,8 @@
         </p:blipFill>
         <p:spPr>
           <a:xfrm>
-            <a:off x="7018333" y="2284710"/>
-            <a:ext cx="3600000" cy="4266667"/>
+            <a:off x="6965401" y="3289472"/>
+            <a:ext cx="3933333" cy="2257143"/>
           </a:xfrm>
           <a:prstGeom prst="rect">
             <a:avLst/>
@@ -3424,334 +4416,6 @@
     <p:extLst>
       <p:ext uri="{BB962C8B-B14F-4D97-AF65-F5344CB8AC3E}">
         <p14:creationId xmlns:p14="http://schemas.microsoft.com/office/powerpoint/2010/main" val="2800484747"/>
-      </p:ext>
-    </p:extLst>
-  </p:cSld>
-  <p:clrMapOvr>
-    <a:masterClrMapping/>
-  </p:clrMapOvr>
-</p:sld>
-</file>
-
-<file path=ppt/slides/slide3.xml><?xml version="1.0" encoding="utf-8"?>
-<p:sld xmlns:a="http://schemas.openxmlformats.org/drawingml/2006/main" xmlns:r="http://schemas.openxmlformats.org/officeDocument/2006/relationships" xmlns:p="http://schemas.openxmlformats.org/presentationml/2006/main">
-  <p:cSld>
-    <p:spTree>
-      <p:nvGrpSpPr>
-        <p:cNvPr id="1" name=""/>
-        <p:cNvGrpSpPr/>
-        <p:nvPr/>
-      </p:nvGrpSpPr>
-      <p:grpSpPr>
-        <a:xfrm>
-          <a:off x="0" y="0"/>
-          <a:ext cx="0" cy="0"/>
-          <a:chOff x="0" y="0"/>
-          <a:chExt cx="0" cy="0"/>
-        </a:xfrm>
-      </p:grpSpPr>
-      <p:sp>
-        <p:nvSpPr>
-          <p:cNvPr id="2" name="Title 1">
-            <a:extLst>
-              <a:ext uri="{FF2B5EF4-FFF2-40B4-BE49-F238E27FC236}">
-                <a16:creationId xmlns:a16="http://schemas.microsoft.com/office/drawing/2014/main" id="{2959FA14-6ECD-4AF6-98B9-5209B67E5E51}"/>
-              </a:ext>
-            </a:extLst>
-          </p:cNvPr>
-          <p:cNvSpPr>
-            <a:spLocks noGrp="1"/>
-          </p:cNvSpPr>
-          <p:nvPr>
-            <p:ph type="title"/>
-          </p:nvPr>
-        </p:nvSpPr>
-        <p:spPr/>
-        <p:txBody>
-          <a:bodyPr/>
-          <a:lstStyle/>
-          <a:p>
-            <a:r>
-              <a:rPr lang="en-US" dirty="0"/>
-              <a:t>Overview</a:t>
-            </a:r>
-          </a:p>
-        </p:txBody>
-      </p:sp>
-      <p:sp>
-        <p:nvSpPr>
-          <p:cNvPr id="3" name="Content Placeholder 2">
-            <a:extLst>
-              <a:ext uri="{FF2B5EF4-FFF2-40B4-BE49-F238E27FC236}">
-                <a16:creationId xmlns:a16="http://schemas.microsoft.com/office/drawing/2014/main" id="{566F8BFB-C55A-422D-814C-90EA832251EB}"/>
-              </a:ext>
-            </a:extLst>
-          </p:cNvPr>
-          <p:cNvSpPr>
-            <a:spLocks noGrp="1"/>
-          </p:cNvSpPr>
-          <p:nvPr>
-            <p:ph idx="1"/>
-          </p:nvPr>
-        </p:nvSpPr>
-        <p:spPr>
-          <a:xfrm>
-            <a:off x="1870086" y="2791325"/>
-            <a:ext cx="8451827" cy="3101983"/>
-          </a:xfrm>
-        </p:spPr>
-        <p:txBody>
-          <a:bodyPr>
-            <a:normAutofit/>
-          </a:bodyPr>
-          <a:lstStyle/>
-          <a:p>
-            <a:r>
-              <a:rPr lang="en-US" sz="2400" dirty="0"/>
-              <a:t>Disable </a:t>
-            </a:r>
-            <a:r>
-              <a:rPr lang="en-US" sz="2400" dirty="0" err="1"/>
-              <a:t>joydev</a:t>
-            </a:r>
-            <a:r>
-              <a:rPr lang="en-US" sz="2400" dirty="0"/>
-              <a:t> module.</a:t>
-            </a:r>
-          </a:p>
-          <a:p>
-            <a:r>
-              <a:rPr lang="en-US" sz="2400" dirty="0"/>
-              <a:t>Create our module, make it auto-load at boot.</a:t>
-            </a:r>
-          </a:p>
-          <a:p>
-            <a:r>
-              <a:rPr lang="en-US" sz="2400" dirty="0"/>
-              <a:t>Detect device plug in/out by </a:t>
-            </a:r>
-            <a:r>
-              <a:rPr lang="en-US" sz="2400" dirty="0" err="1"/>
-              <a:t>hotplug</a:t>
-            </a:r>
-            <a:r>
-              <a:rPr lang="en-US" sz="2400" dirty="0"/>
-              <a:t> module.</a:t>
-            </a:r>
-          </a:p>
-          <a:p>
-            <a:r>
-              <a:rPr lang="en-US" sz="2400" dirty="0"/>
-              <a:t>Create &amp; register device into input subsystem.</a:t>
-            </a:r>
-          </a:p>
-          <a:p>
-            <a:r>
-              <a:rPr lang="en-US" sz="2400" dirty="0"/>
-              <a:t>Handle hardware massages and provide an event stream for user.</a:t>
-            </a:r>
-          </a:p>
-        </p:txBody>
-      </p:sp>
-    </p:spTree>
-    <p:extLst>
-      <p:ext uri="{BB962C8B-B14F-4D97-AF65-F5344CB8AC3E}">
-        <p14:creationId xmlns:p14="http://schemas.microsoft.com/office/powerpoint/2010/main" val="2071377529"/>
-      </p:ext>
-    </p:extLst>
-  </p:cSld>
-  <p:clrMapOvr>
-    <a:masterClrMapping/>
-  </p:clrMapOvr>
-</p:sld>
-</file>
-
-<file path=ppt/slides/slide4.xml><?xml version="1.0" encoding="utf-8"?>
-<p:sld xmlns:a="http://schemas.openxmlformats.org/drawingml/2006/main" xmlns:r="http://schemas.openxmlformats.org/officeDocument/2006/relationships" xmlns:p="http://schemas.openxmlformats.org/presentationml/2006/main">
-  <p:cSld>
-    <p:spTree>
-      <p:nvGrpSpPr>
-        <p:cNvPr id="1" name=""/>
-        <p:cNvGrpSpPr/>
-        <p:nvPr/>
-      </p:nvGrpSpPr>
-      <p:grpSpPr>
-        <a:xfrm>
-          <a:off x="0" y="0"/>
-          <a:ext cx="0" cy="0"/>
-          <a:chOff x="0" y="0"/>
-          <a:chExt cx="0" cy="0"/>
-        </a:xfrm>
-      </p:grpSpPr>
-      <p:sp>
-        <p:nvSpPr>
-          <p:cNvPr id="2" name="Title 1">
-            <a:extLst>
-              <a:ext uri="{FF2B5EF4-FFF2-40B4-BE49-F238E27FC236}">
-                <a16:creationId xmlns:a16="http://schemas.microsoft.com/office/drawing/2014/main" id="{7B2D37F5-F455-425E-909F-F5140C2585B9}"/>
-              </a:ext>
-            </a:extLst>
-          </p:cNvPr>
-          <p:cNvSpPr>
-            <a:spLocks noGrp="1"/>
-          </p:cNvSpPr>
-          <p:nvPr>
-            <p:ph type="title"/>
-          </p:nvPr>
-        </p:nvSpPr>
-        <p:spPr>
-          <a:xfrm>
-            <a:off x="2233907" y="307988"/>
-            <a:ext cx="7729728" cy="780979"/>
-          </a:xfrm>
-        </p:spPr>
-        <p:txBody>
-          <a:bodyPr>
-            <a:normAutofit/>
-          </a:bodyPr>
-          <a:lstStyle/>
-          <a:p>
-            <a:r>
-              <a:rPr lang="en-US" dirty="0"/>
-              <a:t>Step one</a:t>
-            </a:r>
-          </a:p>
-        </p:txBody>
-      </p:sp>
-      <p:pic>
-        <p:nvPicPr>
-          <p:cNvPr id="4" name="Content Placeholder 3">
-            <a:extLst>
-              <a:ext uri="{FF2B5EF4-FFF2-40B4-BE49-F238E27FC236}">
-                <a16:creationId xmlns:a16="http://schemas.microsoft.com/office/drawing/2014/main" id="{8924D16E-DBCB-4834-A196-C88DA9D5D38F}"/>
-              </a:ext>
-            </a:extLst>
-          </p:cNvPr>
-          <p:cNvPicPr>
-            <a:picLocks noGrp="1" noChangeAspect="1"/>
-          </p:cNvPicPr>
-          <p:nvPr>
-            <p:ph idx="1"/>
-          </p:nvPr>
-        </p:nvPicPr>
-        <p:blipFill>
-          <a:blip r:embed="rId2"/>
-          <a:stretch>
-            <a:fillRect/>
-          </a:stretch>
-        </p:blipFill>
-        <p:spPr>
-          <a:xfrm>
-            <a:off x="2401804" y="1412420"/>
-            <a:ext cx="7388389" cy="456073"/>
-          </a:xfrm>
-          <a:prstGeom prst="rect">
-            <a:avLst/>
-          </a:prstGeom>
-        </p:spPr>
-      </p:pic>
-      <p:sp>
-        <p:nvSpPr>
-          <p:cNvPr id="5" name="Title 1">
-            <a:extLst>
-              <a:ext uri="{FF2B5EF4-FFF2-40B4-BE49-F238E27FC236}">
-                <a16:creationId xmlns:a16="http://schemas.microsoft.com/office/drawing/2014/main" id="{FC6D2967-3945-4447-88B1-67D97B77A11E}"/>
-              </a:ext>
-            </a:extLst>
-          </p:cNvPr>
-          <p:cNvSpPr txBox="1">
-            <a:spLocks/>
-          </p:cNvSpPr>
-          <p:nvPr/>
-        </p:nvSpPr>
-        <p:spPr bwMode="black">
-          <a:xfrm>
-            <a:off x="2233907" y="2179894"/>
-            <a:ext cx="7729728" cy="780979"/>
-          </a:xfrm>
-          <a:prstGeom prst="rect">
-            <a:avLst/>
-          </a:prstGeom>
-          <a:solidFill>
-            <a:srgbClr val="FFFFFF"/>
-          </a:solidFill>
-          <a:ln w="31750" cap="sq">
-            <a:solidFill>
-              <a:srgbClr val="404040"/>
-            </a:solidFill>
-            <a:miter lim="800000"/>
-          </a:ln>
-        </p:spPr>
-        <p:txBody>
-          <a:bodyPr vert="horz" lIns="182880" tIns="182880" rIns="182880" bIns="182880" rtlCol="0" anchor="ctr">
-            <a:normAutofit/>
-          </a:bodyPr>
-          <a:lstStyle>
-            <a:lvl1pPr algn="ctr" defTabSz="914400" rtl="0" eaLnBrk="1" latinLnBrk="0" hangingPunct="1">
-              <a:lnSpc>
-                <a:spcPct val="90000"/>
-              </a:lnSpc>
-              <a:spcBef>
-                <a:spcPct val="0"/>
-              </a:spcBef>
-              <a:buNone/>
-              <a:defRPr sz="2800" kern="1200" cap="all" spc="200" baseline="0">
-                <a:solidFill>
-                  <a:srgbClr val="262626"/>
-                </a:solidFill>
-                <a:latin typeface="+mj-lt"/>
-                <a:ea typeface="+mj-ea"/>
-                <a:cs typeface="+mj-cs"/>
-              </a:defRPr>
-            </a:lvl1pPr>
-          </a:lstStyle>
-          <a:p>
-            <a:r>
-              <a:rPr lang="en-US" dirty="0"/>
-              <a:t>Step </a:t>
-            </a:r>
-            <a:r>
-              <a:rPr lang="en-US" altLang="zh-CN" dirty="0"/>
-              <a:t>two</a:t>
-            </a:r>
-            <a:endParaRPr lang="en-US" dirty="0"/>
-          </a:p>
-        </p:txBody>
-      </p:sp>
-      <p:pic>
-        <p:nvPicPr>
-          <p:cNvPr id="6" name="Picture 5">
-            <a:extLst>
-              <a:ext uri="{FF2B5EF4-FFF2-40B4-BE49-F238E27FC236}">
-                <a16:creationId xmlns:a16="http://schemas.microsoft.com/office/drawing/2014/main" id="{F632956F-ECDC-4A48-9CA1-0C3322F7322E}"/>
-              </a:ext>
-            </a:extLst>
-          </p:cNvPr>
-          <p:cNvPicPr>
-            <a:picLocks noChangeAspect="1"/>
-          </p:cNvPicPr>
-          <p:nvPr/>
-        </p:nvPicPr>
-        <p:blipFill>
-          <a:blip r:embed="rId3"/>
-          <a:stretch>
-            <a:fillRect/>
-          </a:stretch>
-        </p:blipFill>
-        <p:spPr>
-          <a:xfrm>
-            <a:off x="3448379" y="3058000"/>
-            <a:ext cx="5295238" cy="3800000"/>
-          </a:xfrm>
-          <a:prstGeom prst="rect">
-            <a:avLst/>
-          </a:prstGeom>
-        </p:spPr>
-      </p:pic>
-    </p:spTree>
-    <p:extLst>
-      <p:ext uri="{BB962C8B-B14F-4D97-AF65-F5344CB8AC3E}">
-        <p14:creationId xmlns:p14="http://schemas.microsoft.com/office/powerpoint/2010/main" val="1174214583"/>
       </p:ext>
     </p:extLst>
   </p:cSld>
@@ -3783,6 +4447,495 @@
           <p:cNvPr id="2" name="Title 1">
             <a:extLst>
               <a:ext uri="{FF2B5EF4-FFF2-40B4-BE49-F238E27FC236}">
+                <a16:creationId xmlns:a16="http://schemas.microsoft.com/office/drawing/2014/main" id="{2959FA14-6ECD-4AF6-98B9-5209B67E5E51}"/>
+              </a:ext>
+            </a:extLst>
+          </p:cNvPr>
+          <p:cNvSpPr>
+            <a:spLocks noGrp="1"/>
+          </p:cNvSpPr>
+          <p:nvPr>
+            <p:ph type="title"/>
+          </p:nvPr>
+        </p:nvSpPr>
+        <p:spPr/>
+        <p:txBody>
+          <a:bodyPr/>
+          <a:lstStyle/>
+          <a:p>
+            <a:r>
+              <a:rPr lang="en-US" dirty="0"/>
+              <a:t>Overview</a:t>
+            </a:r>
+          </a:p>
+        </p:txBody>
+      </p:sp>
+      <p:sp>
+        <p:nvSpPr>
+          <p:cNvPr id="3" name="Content Placeholder 2">
+            <a:extLst>
+              <a:ext uri="{FF2B5EF4-FFF2-40B4-BE49-F238E27FC236}">
+                <a16:creationId xmlns:a16="http://schemas.microsoft.com/office/drawing/2014/main" id="{566F8BFB-C55A-422D-814C-90EA832251EB}"/>
+              </a:ext>
+            </a:extLst>
+          </p:cNvPr>
+          <p:cNvSpPr>
+            <a:spLocks noGrp="1"/>
+          </p:cNvSpPr>
+          <p:nvPr>
+            <p:ph idx="1"/>
+          </p:nvPr>
+        </p:nvSpPr>
+        <p:spPr>
+          <a:xfrm>
+            <a:off x="1870086" y="2791325"/>
+            <a:ext cx="8451827" cy="3101983"/>
+          </a:xfrm>
+        </p:spPr>
+        <p:txBody>
+          <a:bodyPr>
+            <a:normAutofit/>
+          </a:bodyPr>
+          <a:lstStyle/>
+          <a:p>
+            <a:r>
+              <a:rPr lang="en-US" sz="2400" dirty="0"/>
+              <a:t>Disable </a:t>
+            </a:r>
+            <a:r>
+              <a:rPr lang="en-US" sz="2400" dirty="0" err="1"/>
+              <a:t>joydev</a:t>
+            </a:r>
+            <a:r>
+              <a:rPr lang="en-US" sz="2400" dirty="0"/>
+              <a:t> module.</a:t>
+            </a:r>
+          </a:p>
+          <a:p>
+            <a:r>
+              <a:rPr lang="en-US" sz="2400" dirty="0"/>
+              <a:t>Create our module, follow the stander of input device driver.</a:t>
+            </a:r>
+          </a:p>
+          <a:p>
+            <a:r>
+              <a:rPr lang="en-US" sz="2400" dirty="0"/>
+              <a:t>Detect device plug in/out by </a:t>
+            </a:r>
+            <a:r>
+              <a:rPr lang="en-US" sz="2400" dirty="0" err="1"/>
+              <a:t>hotplug</a:t>
+            </a:r>
+            <a:r>
+              <a:rPr lang="en-US" sz="2400" dirty="0"/>
+              <a:t> module.</a:t>
+            </a:r>
+          </a:p>
+          <a:p>
+            <a:r>
+              <a:rPr lang="en-US" sz="2400" dirty="0"/>
+              <a:t>Create &amp; register device into input subsystem.</a:t>
+            </a:r>
+          </a:p>
+          <a:p>
+            <a:r>
+              <a:rPr lang="en-US" sz="2400" dirty="0"/>
+              <a:t>Handle hardware massages and provide an event stream for user.</a:t>
+            </a:r>
+          </a:p>
+        </p:txBody>
+      </p:sp>
+    </p:spTree>
+    <p:extLst>
+      <p:ext uri="{BB962C8B-B14F-4D97-AF65-F5344CB8AC3E}">
+        <p14:creationId xmlns:p14="http://schemas.microsoft.com/office/powerpoint/2010/main" val="2071377529"/>
+      </p:ext>
+    </p:extLst>
+  </p:cSld>
+  <p:clrMapOvr>
+    <a:masterClrMapping/>
+  </p:clrMapOvr>
+</p:sld>
+</file>
+
+<file path=ppt/slides/slide6.xml><?xml version="1.0" encoding="utf-8"?>
+<p:sld xmlns:a="http://schemas.openxmlformats.org/drawingml/2006/main" xmlns:r="http://schemas.openxmlformats.org/officeDocument/2006/relationships" xmlns:p="http://schemas.openxmlformats.org/presentationml/2006/main">
+  <p:cSld>
+    <p:spTree>
+      <p:nvGrpSpPr>
+        <p:cNvPr id="1" name=""/>
+        <p:cNvGrpSpPr/>
+        <p:nvPr/>
+      </p:nvGrpSpPr>
+      <p:grpSpPr>
+        <a:xfrm>
+          <a:off x="0" y="0"/>
+          <a:ext cx="0" cy="0"/>
+          <a:chOff x="0" y="0"/>
+          <a:chExt cx="0" cy="0"/>
+        </a:xfrm>
+      </p:grpSpPr>
+      <p:sp>
+        <p:nvSpPr>
+          <p:cNvPr id="2" name="Title 1">
+            <a:extLst>
+              <a:ext uri="{FF2B5EF4-FFF2-40B4-BE49-F238E27FC236}">
+                <a16:creationId xmlns:a16="http://schemas.microsoft.com/office/drawing/2014/main" id="{7B2D37F5-F455-425E-909F-F5140C2585B9}"/>
+              </a:ext>
+            </a:extLst>
+          </p:cNvPr>
+          <p:cNvSpPr>
+            <a:spLocks noGrp="1"/>
+          </p:cNvSpPr>
+          <p:nvPr>
+            <p:ph type="title"/>
+          </p:nvPr>
+        </p:nvSpPr>
+        <p:spPr>
+          <a:xfrm>
+            <a:off x="2231134" y="1429045"/>
+            <a:ext cx="7729728" cy="780979"/>
+          </a:xfrm>
+        </p:spPr>
+        <p:txBody>
+          <a:bodyPr>
+            <a:normAutofit/>
+          </a:bodyPr>
+          <a:lstStyle/>
+          <a:p>
+            <a:r>
+              <a:rPr lang="en-US" dirty="0"/>
+              <a:t>Step one – remove old junk</a:t>
+            </a:r>
+          </a:p>
+        </p:txBody>
+      </p:sp>
+      <p:pic>
+        <p:nvPicPr>
+          <p:cNvPr id="4" name="Content Placeholder 3">
+            <a:extLst>
+              <a:ext uri="{FF2B5EF4-FFF2-40B4-BE49-F238E27FC236}">
+                <a16:creationId xmlns:a16="http://schemas.microsoft.com/office/drawing/2014/main" id="{8924D16E-DBCB-4834-A196-C88DA9D5D38F}"/>
+              </a:ext>
+            </a:extLst>
+          </p:cNvPr>
+          <p:cNvPicPr>
+            <a:picLocks noGrp="1" noChangeAspect="1"/>
+          </p:cNvPicPr>
+          <p:nvPr>
+            <p:ph idx="1"/>
+          </p:nvPr>
+        </p:nvPicPr>
+        <p:blipFill>
+          <a:blip r:embed="rId2"/>
+          <a:stretch>
+            <a:fillRect/>
+          </a:stretch>
+        </p:blipFill>
+        <p:spPr>
+          <a:xfrm>
+            <a:off x="2401804" y="2716269"/>
+            <a:ext cx="7388389" cy="456073"/>
+          </a:xfrm>
+          <a:prstGeom prst="rect">
+            <a:avLst/>
+          </a:prstGeom>
+        </p:spPr>
+      </p:pic>
+      <p:sp>
+        <p:nvSpPr>
+          <p:cNvPr id="7" name="Content Placeholder 2">
+            <a:extLst>
+              <a:ext uri="{FF2B5EF4-FFF2-40B4-BE49-F238E27FC236}">
+                <a16:creationId xmlns:a16="http://schemas.microsoft.com/office/drawing/2014/main" id="{63F6E38D-10DB-40BA-A91B-763C11BA2475}"/>
+              </a:ext>
+            </a:extLst>
+          </p:cNvPr>
+          <p:cNvSpPr txBox="1">
+            <a:spLocks/>
+          </p:cNvSpPr>
+          <p:nvPr/>
+        </p:nvSpPr>
+        <p:spPr>
+          <a:xfrm>
+            <a:off x="2401804" y="3756017"/>
+            <a:ext cx="7729728" cy="891959"/>
+          </a:xfrm>
+          <a:prstGeom prst="rect">
+            <a:avLst/>
+          </a:prstGeom>
+        </p:spPr>
+        <p:txBody>
+          <a:bodyPr vert="horz" lIns="91440" tIns="45720" rIns="91440" bIns="45720" rtlCol="0">
+            <a:normAutofit/>
+          </a:bodyPr>
+          <a:lstStyle>
+            <a:lvl1pPr marL="228600" indent="-228600" algn="l" defTabSz="914400" rtl="0" eaLnBrk="1" latinLnBrk="0" hangingPunct="1">
+              <a:lnSpc>
+                <a:spcPct val="100000"/>
+              </a:lnSpc>
+              <a:spcBef>
+                <a:spcPts val="1000"/>
+              </a:spcBef>
+              <a:buClr>
+                <a:schemeClr val="accent2"/>
+              </a:buClr>
+              <a:buFont typeface="Arial" panose="020B0604020202020204" pitchFamily="34" charset="0"/>
+              <a:buChar char="•"/>
+              <a:defRPr sz="1800" kern="1200">
+                <a:solidFill>
+                  <a:schemeClr val="tx1">
+                    <a:lumMod val="85000"/>
+                    <a:lumOff val="15000"/>
+                  </a:schemeClr>
+                </a:solidFill>
+                <a:latin typeface="+mn-lt"/>
+                <a:ea typeface="+mn-ea"/>
+                <a:cs typeface="+mn-cs"/>
+              </a:defRPr>
+            </a:lvl1pPr>
+            <a:lvl2pPr marL="457200" indent="-228600" algn="l" defTabSz="914400" rtl="0" eaLnBrk="1" latinLnBrk="0" hangingPunct="1">
+              <a:lnSpc>
+                <a:spcPct val="100000"/>
+              </a:lnSpc>
+              <a:spcBef>
+                <a:spcPts val="1000"/>
+              </a:spcBef>
+              <a:buClr>
+                <a:schemeClr val="accent2"/>
+              </a:buClr>
+              <a:buFont typeface="Arial" panose="020B0604020202020204" pitchFamily="34" charset="0"/>
+              <a:buChar char="•"/>
+              <a:defRPr sz="1600" kern="1200">
+                <a:solidFill>
+                  <a:schemeClr val="tx1">
+                    <a:lumMod val="85000"/>
+                    <a:lumOff val="15000"/>
+                  </a:schemeClr>
+                </a:solidFill>
+                <a:latin typeface="+mn-lt"/>
+                <a:ea typeface="+mn-ea"/>
+                <a:cs typeface="+mn-cs"/>
+              </a:defRPr>
+            </a:lvl2pPr>
+            <a:lvl3pPr marL="685800" indent="-228600" algn="l" defTabSz="914400" rtl="0" eaLnBrk="1" latinLnBrk="0" hangingPunct="1">
+              <a:lnSpc>
+                <a:spcPct val="100000"/>
+              </a:lnSpc>
+              <a:spcBef>
+                <a:spcPts val="1000"/>
+              </a:spcBef>
+              <a:buClr>
+                <a:schemeClr val="accent2"/>
+              </a:buClr>
+              <a:buFont typeface="Arial" panose="020B0604020202020204" pitchFamily="34" charset="0"/>
+              <a:buChar char="•"/>
+              <a:defRPr sz="1600" kern="1200">
+                <a:solidFill>
+                  <a:schemeClr val="tx1">
+                    <a:lumMod val="85000"/>
+                    <a:lumOff val="15000"/>
+                  </a:schemeClr>
+                </a:solidFill>
+                <a:latin typeface="+mn-lt"/>
+                <a:ea typeface="+mn-ea"/>
+                <a:cs typeface="+mn-cs"/>
+              </a:defRPr>
+            </a:lvl3pPr>
+            <a:lvl4pPr marL="914400" indent="-228600" algn="l" defTabSz="914400" rtl="0" eaLnBrk="1" latinLnBrk="0" hangingPunct="1">
+              <a:lnSpc>
+                <a:spcPct val="100000"/>
+              </a:lnSpc>
+              <a:spcBef>
+                <a:spcPts val="1000"/>
+              </a:spcBef>
+              <a:buClr>
+                <a:schemeClr val="accent2"/>
+              </a:buClr>
+              <a:buFont typeface="Arial" panose="020B0604020202020204" pitchFamily="34" charset="0"/>
+              <a:buChar char="•"/>
+              <a:defRPr sz="1600" kern="1200">
+                <a:solidFill>
+                  <a:schemeClr val="tx1">
+                    <a:lumMod val="85000"/>
+                    <a:lumOff val="15000"/>
+                  </a:schemeClr>
+                </a:solidFill>
+                <a:latin typeface="+mn-lt"/>
+                <a:ea typeface="+mn-ea"/>
+                <a:cs typeface="+mn-cs"/>
+              </a:defRPr>
+            </a:lvl4pPr>
+            <a:lvl5pPr marL="1143000" indent="-228600" algn="l" defTabSz="914400" rtl="0" eaLnBrk="1" latinLnBrk="0" hangingPunct="1">
+              <a:lnSpc>
+                <a:spcPct val="100000"/>
+              </a:lnSpc>
+              <a:spcBef>
+                <a:spcPts val="1000"/>
+              </a:spcBef>
+              <a:buClr>
+                <a:schemeClr val="accent2"/>
+              </a:buClr>
+              <a:buFont typeface="Arial" panose="020B0604020202020204" pitchFamily="34" charset="0"/>
+              <a:buChar char="•"/>
+              <a:defRPr sz="1600" kern="1200">
+                <a:solidFill>
+                  <a:schemeClr val="tx1">
+                    <a:lumMod val="85000"/>
+                    <a:lumOff val="15000"/>
+                  </a:schemeClr>
+                </a:solidFill>
+                <a:latin typeface="+mn-lt"/>
+                <a:ea typeface="+mn-ea"/>
+                <a:cs typeface="+mn-cs"/>
+              </a:defRPr>
+            </a:lvl5pPr>
+            <a:lvl6pPr marL="1312863" indent="-228600" algn="l" defTabSz="914400" rtl="0" eaLnBrk="1" latinLnBrk="0" hangingPunct="1">
+              <a:lnSpc>
+                <a:spcPct val="100000"/>
+              </a:lnSpc>
+              <a:spcBef>
+                <a:spcPts val="1000"/>
+              </a:spcBef>
+              <a:buClr>
+                <a:schemeClr val="accent2"/>
+              </a:buClr>
+              <a:buFont typeface="Arial" panose="020B0604020202020204" pitchFamily="34" charset="0"/>
+              <a:buChar char="•"/>
+              <a:defRPr sz="1600" kern="1200">
+                <a:solidFill>
+                  <a:schemeClr val="tx1"/>
+                </a:solidFill>
+                <a:latin typeface="+mn-lt"/>
+                <a:ea typeface="+mn-ea"/>
+                <a:cs typeface="+mn-cs"/>
+              </a:defRPr>
+            </a:lvl6pPr>
+            <a:lvl7pPr marL="1484313" indent="-228600" algn="l" defTabSz="914400" rtl="0" eaLnBrk="1" latinLnBrk="0" hangingPunct="1">
+              <a:lnSpc>
+                <a:spcPct val="100000"/>
+              </a:lnSpc>
+              <a:spcBef>
+                <a:spcPts val="1000"/>
+              </a:spcBef>
+              <a:buClr>
+                <a:schemeClr val="accent2"/>
+              </a:buClr>
+              <a:buFont typeface="Arial" panose="020B0604020202020204" pitchFamily="34" charset="0"/>
+              <a:buChar char="•"/>
+              <a:defRPr sz="1600" kern="1200">
+                <a:solidFill>
+                  <a:schemeClr val="tx1"/>
+                </a:solidFill>
+                <a:latin typeface="+mn-lt"/>
+                <a:ea typeface="+mn-ea"/>
+                <a:cs typeface="+mn-cs"/>
+              </a:defRPr>
+            </a:lvl7pPr>
+            <a:lvl8pPr marL="1657350" indent="-228600" algn="l" defTabSz="914400" rtl="0" eaLnBrk="1" latinLnBrk="0" hangingPunct="1">
+              <a:lnSpc>
+                <a:spcPct val="100000"/>
+              </a:lnSpc>
+              <a:spcBef>
+                <a:spcPts val="1000"/>
+              </a:spcBef>
+              <a:buClr>
+                <a:schemeClr val="accent2"/>
+              </a:buClr>
+              <a:buFont typeface="Arial" panose="020B0604020202020204" pitchFamily="34" charset="0"/>
+              <a:buChar char="•"/>
+              <a:defRPr sz="1600" kern="1200" baseline="0">
+                <a:solidFill>
+                  <a:schemeClr val="tx1"/>
+                </a:solidFill>
+                <a:latin typeface="+mn-lt"/>
+                <a:ea typeface="+mn-ea"/>
+                <a:cs typeface="+mn-cs"/>
+              </a:defRPr>
+            </a:lvl8pPr>
+            <a:lvl9pPr marL="1882775" indent="-228600" algn="l" defTabSz="914400" rtl="0" eaLnBrk="1" latinLnBrk="0" hangingPunct="1">
+              <a:lnSpc>
+                <a:spcPct val="100000"/>
+              </a:lnSpc>
+              <a:spcBef>
+                <a:spcPts val="1000"/>
+              </a:spcBef>
+              <a:buClr>
+                <a:schemeClr val="accent2"/>
+              </a:buClr>
+              <a:buFont typeface="Arial" panose="020B0604020202020204" pitchFamily="34" charset="0"/>
+              <a:buChar char="•"/>
+              <a:defRPr sz="1600" kern="1200" baseline="0">
+                <a:solidFill>
+                  <a:schemeClr val="tx1"/>
+                </a:solidFill>
+                <a:latin typeface="+mn-lt"/>
+                <a:ea typeface="+mn-ea"/>
+                <a:cs typeface="+mn-cs"/>
+              </a:defRPr>
+            </a:lvl9pPr>
+          </a:lstStyle>
+          <a:p>
+            <a:r>
+              <a:rPr lang="en-US" dirty="0" err="1"/>
+              <a:t>Joydev</a:t>
+            </a:r>
+            <a:r>
+              <a:rPr lang="en-US" dirty="0"/>
+              <a:t> is a old driver for retro </a:t>
+            </a:r>
+            <a:r>
+              <a:rPr lang="en-US" dirty="0" err="1"/>
+              <a:t>joystic</a:t>
+            </a:r>
+            <a:r>
+              <a:rPr lang="en-US" dirty="0"/>
+              <a:t> written in 1999.</a:t>
+            </a:r>
+          </a:p>
+          <a:p>
+            <a:r>
+              <a:rPr lang="en-US" dirty="0"/>
+              <a:t>It only generate button press event, and can not recognize D-pad.</a:t>
+            </a:r>
+          </a:p>
+        </p:txBody>
+      </p:sp>
+    </p:spTree>
+    <p:extLst>
+      <p:ext uri="{BB962C8B-B14F-4D97-AF65-F5344CB8AC3E}">
+        <p14:creationId xmlns:p14="http://schemas.microsoft.com/office/powerpoint/2010/main" val="1174214583"/>
+      </p:ext>
+    </p:extLst>
+  </p:cSld>
+  <p:clrMapOvr>
+    <a:masterClrMapping/>
+  </p:clrMapOvr>
+</p:sld>
+</file>
+
+<file path=ppt/slides/slide7.xml><?xml version="1.0" encoding="utf-8"?>
+<p:sld xmlns:a="http://schemas.openxmlformats.org/drawingml/2006/main" xmlns:r="http://schemas.openxmlformats.org/officeDocument/2006/relationships" xmlns:p="http://schemas.openxmlformats.org/presentationml/2006/main">
+  <p:cSld>
+    <p:spTree>
+      <p:nvGrpSpPr>
+        <p:cNvPr id="1" name=""/>
+        <p:cNvGrpSpPr/>
+        <p:nvPr/>
+      </p:nvGrpSpPr>
+      <p:grpSpPr>
+        <a:xfrm>
+          <a:off x="0" y="0"/>
+          <a:ext cx="0" cy="0"/>
+          <a:chOff x="0" y="0"/>
+          <a:chExt cx="0" cy="0"/>
+        </a:xfrm>
+      </p:grpSpPr>
+      <p:sp>
+        <p:nvSpPr>
+          <p:cNvPr id="2" name="Title 1">
+            <a:extLst>
+              <a:ext uri="{FF2B5EF4-FFF2-40B4-BE49-F238E27FC236}">
                 <a16:creationId xmlns:a16="http://schemas.microsoft.com/office/drawing/2014/main" id="{6F91F670-CA35-4DA3-A685-2DAE9E945480}"/>
               </a:ext>
             </a:extLst>
@@ -3794,14 +4947,19 @@
             <p:ph type="title"/>
           </p:nvPr>
         </p:nvSpPr>
-        <p:spPr/>
+        <p:spPr>
+          <a:xfrm>
+            <a:off x="2231136" y="1018310"/>
+            <a:ext cx="7729728" cy="1188720"/>
+          </a:xfrm>
+        </p:spPr>
         <p:txBody>
           <a:bodyPr/>
           <a:lstStyle/>
           <a:p>
             <a:r>
               <a:rPr lang="en-US" dirty="0"/>
-              <a:t>Step three</a:t>
+              <a:t>Step two – create the skeleton</a:t>
             </a:r>
           </a:p>
         </p:txBody>
@@ -3822,12 +4980,134 @@
             <p:ph idx="1"/>
           </p:nvPr>
         </p:nvSpPr>
-        <p:spPr/>
+        <p:spPr>
+          <a:xfrm>
+            <a:off x="2231136" y="3186683"/>
+            <a:ext cx="7729728" cy="2058647"/>
+          </a:xfrm>
+        </p:spPr>
         <p:txBody>
           <a:bodyPr/>
           <a:lstStyle/>
           <a:p>
-            <a:endParaRPr lang="en-US"/>
+            <a:r>
+              <a:rPr lang="en-US" dirty="0" err="1"/>
+              <a:t>linux</a:t>
+            </a:r>
+            <a:r>
+              <a:rPr lang="en-US" dirty="0"/>
+              <a:t>/</a:t>
+            </a:r>
+            <a:r>
+              <a:rPr lang="en-US" dirty="0" err="1"/>
+              <a:t>input.h</a:t>
+            </a:r>
+            <a:r>
+              <a:rPr lang="en-US" dirty="0"/>
+              <a:t> – </a:t>
+            </a:r>
+            <a:r>
+              <a:rPr lang="en-US" dirty="0" err="1"/>
+              <a:t>linux</a:t>
+            </a:r>
+            <a:r>
+              <a:rPr lang="en-US" dirty="0"/>
+              <a:t> input device driver </a:t>
+            </a:r>
+            <a:r>
+              <a:rPr lang="en-US" dirty="0" err="1"/>
+              <a:t>api</a:t>
+            </a:r>
+            <a:endParaRPr lang="en-US" dirty="0"/>
+          </a:p>
+          <a:p>
+            <a:r>
+              <a:rPr lang="en-US" dirty="0" err="1"/>
+              <a:t>linux</a:t>
+            </a:r>
+            <a:r>
+              <a:rPr lang="en-US" dirty="0"/>
+              <a:t>/</a:t>
+            </a:r>
+            <a:r>
+              <a:rPr lang="en-US" dirty="0" err="1"/>
+              <a:t>usb</a:t>
+            </a:r>
+            <a:r>
+              <a:rPr lang="en-US" dirty="0"/>
+              <a:t>/</a:t>
+            </a:r>
+            <a:r>
+              <a:rPr lang="en-US" dirty="0" err="1"/>
+              <a:t>input.h</a:t>
+            </a:r>
+            <a:r>
+              <a:rPr lang="en-US" dirty="0"/>
+              <a:t> – </a:t>
+            </a:r>
+            <a:r>
+              <a:rPr lang="en-US" dirty="0" err="1"/>
+              <a:t>linux</a:t>
+            </a:r>
+            <a:r>
+              <a:rPr lang="en-US" dirty="0"/>
+              <a:t> </a:t>
+            </a:r>
+            <a:r>
+              <a:rPr lang="en-US" dirty="0" err="1"/>
+              <a:t>usb</a:t>
+            </a:r>
+            <a:r>
+              <a:rPr lang="en-US" dirty="0"/>
+              <a:t> port/input transform</a:t>
+            </a:r>
+          </a:p>
+          <a:p>
+            <a:r>
+              <a:rPr lang="en-US" dirty="0"/>
+              <a:t>struct </a:t>
+            </a:r>
+            <a:r>
+              <a:rPr lang="en-US" dirty="0" err="1"/>
+              <a:t>usb_driver</a:t>
+            </a:r>
+            <a:r>
+              <a:rPr lang="en-US" dirty="0"/>
+              <a:t> – pointers for all kinds of </a:t>
+            </a:r>
+            <a:r>
+              <a:rPr lang="en-US" dirty="0" err="1"/>
+              <a:t>usb</a:t>
+            </a:r>
+            <a:r>
+              <a:rPr lang="en-US" dirty="0"/>
+              <a:t> operation.</a:t>
+            </a:r>
+          </a:p>
+          <a:p>
+            <a:r>
+              <a:rPr lang="en-US" dirty="0"/>
+              <a:t>struct </a:t>
+            </a:r>
+            <a:r>
+              <a:rPr lang="en-US" dirty="0" err="1"/>
+              <a:t>input_dev</a:t>
+            </a:r>
+            <a:r>
+              <a:rPr lang="en-US" dirty="0"/>
+              <a:t> – record the event handler distributed by input </a:t>
+            </a:r>
+            <a:r>
+              <a:rPr lang="en-US" dirty="0" err="1"/>
+              <a:t>subsys</a:t>
+            </a:r>
+            <a:r>
+              <a:rPr lang="en-US" dirty="0"/>
+              <a:t>.</a:t>
+            </a:r>
+          </a:p>
+          <a:p>
+            <a:endParaRPr lang="en-US" dirty="0"/>
           </a:p>
         </p:txBody>
       </p:sp>
@@ -3835,6 +5115,391 @@
     <p:extLst>
       <p:ext uri="{BB962C8B-B14F-4D97-AF65-F5344CB8AC3E}">
         <p14:creationId xmlns:p14="http://schemas.microsoft.com/office/powerpoint/2010/main" val="1372106950"/>
+      </p:ext>
+    </p:extLst>
+  </p:cSld>
+  <p:clrMapOvr>
+    <a:masterClrMapping/>
+  </p:clrMapOvr>
+</p:sld>
+</file>
+
+<file path=ppt/slides/slide8.xml><?xml version="1.0" encoding="utf-8"?>
+<p:sld xmlns:a="http://schemas.openxmlformats.org/drawingml/2006/main" xmlns:r="http://schemas.openxmlformats.org/officeDocument/2006/relationships" xmlns:p="http://schemas.openxmlformats.org/presentationml/2006/main">
+  <p:cSld>
+    <p:spTree>
+      <p:nvGrpSpPr>
+        <p:cNvPr id="1" name=""/>
+        <p:cNvGrpSpPr/>
+        <p:nvPr/>
+      </p:nvGrpSpPr>
+      <p:grpSpPr>
+        <a:xfrm>
+          <a:off x="0" y="0"/>
+          <a:ext cx="0" cy="0"/>
+          <a:chOff x="0" y="0"/>
+          <a:chExt cx="0" cy="0"/>
+        </a:xfrm>
+      </p:grpSpPr>
+      <p:sp>
+        <p:nvSpPr>
+          <p:cNvPr id="2" name="Title 1">
+            <a:extLst>
+              <a:ext uri="{FF2B5EF4-FFF2-40B4-BE49-F238E27FC236}">
+                <a16:creationId xmlns:a16="http://schemas.microsoft.com/office/drawing/2014/main" id="{6F91F670-CA35-4DA3-A685-2DAE9E945480}"/>
+              </a:ext>
+            </a:extLst>
+          </p:cNvPr>
+          <p:cNvSpPr>
+            <a:spLocks noGrp="1"/>
+          </p:cNvSpPr>
+          <p:nvPr>
+            <p:ph type="title"/>
+          </p:nvPr>
+        </p:nvSpPr>
+        <p:spPr/>
+        <p:txBody>
+          <a:bodyPr/>
+          <a:lstStyle/>
+          <a:p>
+            <a:r>
+              <a:rPr lang="en-US" dirty="0"/>
+              <a:t>Life cycle</a:t>
+            </a:r>
+          </a:p>
+        </p:txBody>
+      </p:sp>
+      <p:sp>
+        <p:nvSpPr>
+          <p:cNvPr id="5" name="Content Placeholder 4">
+            <a:extLst>
+              <a:ext uri="{FF2B5EF4-FFF2-40B4-BE49-F238E27FC236}">
+                <a16:creationId xmlns:a16="http://schemas.microsoft.com/office/drawing/2014/main" id="{796CBFC7-817D-4D6D-A381-B7B04F00F31F}"/>
+              </a:ext>
+            </a:extLst>
+          </p:cNvPr>
+          <p:cNvSpPr>
+            <a:spLocks noGrp="1"/>
+          </p:cNvSpPr>
+          <p:nvPr>
+            <p:ph idx="1"/>
+          </p:nvPr>
+        </p:nvSpPr>
+        <p:spPr/>
+        <p:txBody>
+          <a:bodyPr/>
+          <a:lstStyle/>
+          <a:p>
+            <a:r>
+              <a:rPr lang="en-US" dirty="0" err="1"/>
+              <a:t>module_usb_driver</a:t>
+            </a:r>
+            <a:r>
+              <a:rPr lang="en-US" dirty="0"/>
+              <a:t> – replacement of </a:t>
+            </a:r>
+            <a:r>
+              <a:rPr lang="en-US" dirty="0" err="1"/>
+              <a:t>module_init</a:t>
+            </a:r>
+            <a:r>
+              <a:rPr lang="en-US" dirty="0"/>
+              <a:t> &amp; </a:t>
+            </a:r>
+            <a:r>
+              <a:rPr lang="en-US" dirty="0" err="1"/>
+              <a:t>module_exit</a:t>
+            </a:r>
+            <a:endParaRPr lang="en-US" dirty="0"/>
+          </a:p>
+          <a:p>
+            <a:r>
+              <a:rPr lang="en-US" dirty="0"/>
+              <a:t>MODULE_DEVICE_TABLE – what device are supported by this driver</a:t>
+            </a:r>
+          </a:p>
+          <a:p>
+            <a:r>
+              <a:rPr lang="en-US" dirty="0"/>
+              <a:t>probe – call back when sys find a match.</a:t>
+            </a:r>
+          </a:p>
+          <a:p>
+            <a:r>
+              <a:rPr lang="en-US" dirty="0"/>
+              <a:t>register device and input</a:t>
+            </a:r>
+          </a:p>
+          <a:p>
+            <a:r>
+              <a:rPr lang="en-US" dirty="0"/>
+              <a:t>user interrupt handle</a:t>
+            </a:r>
+          </a:p>
+          <a:p>
+            <a:r>
+              <a:rPr lang="en-US" dirty="0"/>
+              <a:t>suspend/resume and other staffs(not implemented)</a:t>
+            </a:r>
+          </a:p>
+          <a:p>
+            <a:r>
+              <a:rPr lang="en-US" dirty="0"/>
+              <a:t>disconnect</a:t>
+            </a:r>
+          </a:p>
+        </p:txBody>
+      </p:sp>
+    </p:spTree>
+    <p:extLst>
+      <p:ext uri="{BB962C8B-B14F-4D97-AF65-F5344CB8AC3E}">
+        <p14:creationId xmlns:p14="http://schemas.microsoft.com/office/powerpoint/2010/main" val="987252625"/>
+      </p:ext>
+    </p:extLst>
+  </p:cSld>
+  <p:clrMapOvr>
+    <a:masterClrMapping/>
+  </p:clrMapOvr>
+</p:sld>
+</file>
+
+<file path=ppt/slides/slide9.xml><?xml version="1.0" encoding="utf-8"?>
+<p:sld xmlns:a="http://schemas.openxmlformats.org/drawingml/2006/main" xmlns:r="http://schemas.openxmlformats.org/officeDocument/2006/relationships" xmlns:p="http://schemas.openxmlformats.org/presentationml/2006/main">
+  <p:cSld>
+    <p:bg>
+      <p:bgPr>
+        <a:solidFill>
+          <a:schemeClr val="bg1">
+            <a:lumMod val="95000"/>
+          </a:schemeClr>
+        </a:solidFill>
+        <a:effectLst/>
+      </p:bgPr>
+    </p:bg>
+    <p:spTree>
+      <p:nvGrpSpPr>
+        <p:cNvPr id="1" name=""/>
+        <p:cNvGrpSpPr/>
+        <p:nvPr/>
+      </p:nvGrpSpPr>
+      <p:grpSpPr>
+        <a:xfrm>
+          <a:off x="0" y="0"/>
+          <a:ext cx="0" cy="0"/>
+          <a:chOff x="0" y="0"/>
+          <a:chExt cx="0" cy="0"/>
+        </a:xfrm>
+      </p:grpSpPr>
+      <p:sp>
+        <p:nvSpPr>
+          <p:cNvPr id="11" name="Rectangle 10">
+            <a:extLst>
+              <a:ext uri="{FF2B5EF4-FFF2-40B4-BE49-F238E27FC236}">
+                <a16:creationId xmlns:a16="http://schemas.microsoft.com/office/drawing/2014/main" id="{5FA21C72-692C-49FD-9EB4-DDDDDEBD4BD6}"/>
+              </a:ext>
+              <a:ext uri="{C183D7F6-B498-43B3-948B-1728B52AA6E4}">
+                <adec:decorative xmlns:adec="http://schemas.microsoft.com/office/drawing/2017/decorative" val="1"/>
+              </a:ext>
+            </a:extLst>
+          </p:cNvPr>
+          <p:cNvSpPr>
+            <a:spLocks noGrp="1" noRot="1" noChangeAspect="1" noMove="1" noResize="1" noEditPoints="1" noAdjustHandles="1" noChangeArrowheads="1" noChangeShapeType="1" noTextEdit="1"/>
+          </p:cNvSpPr>
+          <p:nvPr>
+            <p:extLst>
+              <p:ext uri="{386F3935-93C4-4BCD-93E2-E3B085C9AB24}">
+                <p16:designElem xmlns:p16="http://schemas.microsoft.com/office/powerpoint/2015/main" val="1"/>
+              </p:ext>
+            </p:extLst>
+          </p:nvPr>
+        </p:nvSpPr>
+        <p:spPr>
+          <a:xfrm>
+            <a:off x="1575405" y="950977"/>
+            <a:ext cx="9041190" cy="4956047"/>
+          </a:xfrm>
+          <a:prstGeom prst="rect">
+            <a:avLst/>
+          </a:prstGeom>
+          <a:solidFill>
+            <a:srgbClr val="FFFFFF"/>
+          </a:solidFill>
+          <a:ln w="31750">
+            <a:solidFill>
+              <a:srgbClr val="404040"/>
+            </a:solidFill>
+          </a:ln>
+        </p:spPr>
+        <p:style>
+          <a:lnRef idx="2">
+            <a:schemeClr val="accent1">
+              <a:shade val="50000"/>
+            </a:schemeClr>
+          </a:lnRef>
+          <a:fillRef idx="1">
+            <a:schemeClr val="accent1"/>
+          </a:fillRef>
+          <a:effectRef idx="0">
+            <a:schemeClr val="accent1"/>
+          </a:effectRef>
+          <a:fontRef idx="minor">
+            <a:schemeClr val="lt1"/>
+          </a:fontRef>
+        </p:style>
+        <p:txBody>
+          <a:bodyPr rtlCol="0" anchor="ctr"/>
+          <a:lstStyle/>
+          <a:p>
+            <a:pPr algn="ctr"/>
+            <a:endParaRPr lang="en-US"/>
+          </a:p>
+        </p:txBody>
+      </p:sp>
+      <p:sp>
+        <p:nvSpPr>
+          <p:cNvPr id="13" name="Oval 12">
+            <a:extLst>
+              <a:ext uri="{FF2B5EF4-FFF2-40B4-BE49-F238E27FC236}">
+                <a16:creationId xmlns:a16="http://schemas.microsoft.com/office/drawing/2014/main" id="{FBAF941A-6830-47A3-B63C-7C7B66AEA73B}"/>
+              </a:ext>
+              <a:ext uri="{C183D7F6-B498-43B3-948B-1728B52AA6E4}">
+                <adec:decorative xmlns:adec="http://schemas.microsoft.com/office/drawing/2017/decorative" val="1"/>
+              </a:ext>
+            </a:extLst>
+          </p:cNvPr>
+          <p:cNvSpPr>
+            <a:spLocks noGrp="1" noRot="1" noChangeAspect="1" noMove="1" noResize="1" noEditPoints="1" noAdjustHandles="1" noChangeArrowheads="1" noChangeShapeType="1" noTextEdit="1"/>
+          </p:cNvSpPr>
+          <p:nvPr>
+            <p:extLst>
+              <p:ext uri="{386F3935-93C4-4BCD-93E2-E3B085C9AB24}">
+                <p16:designElem xmlns:p16="http://schemas.microsoft.com/office/powerpoint/2015/main" val="1"/>
+              </p:ext>
+            </p:extLst>
+          </p:nvPr>
+        </p:nvSpPr>
+        <p:spPr>
+          <a:xfrm>
+            <a:off x="632380" y="624518"/>
+            <a:ext cx="2157984" cy="2157984"/>
+          </a:xfrm>
+          <a:prstGeom prst="ellipse">
+            <a:avLst/>
+          </a:prstGeom>
+          <a:solidFill>
+            <a:srgbClr val="404040"/>
+          </a:solidFill>
+          <a:ln w="31750">
+            <a:noFill/>
+          </a:ln>
+        </p:spPr>
+        <p:style>
+          <a:lnRef idx="2">
+            <a:schemeClr val="accent1">
+              <a:shade val="50000"/>
+            </a:schemeClr>
+          </a:lnRef>
+          <a:fillRef idx="1">
+            <a:schemeClr val="accent1"/>
+          </a:fillRef>
+          <a:effectRef idx="0">
+            <a:schemeClr val="accent1"/>
+          </a:effectRef>
+          <a:fontRef idx="minor">
+            <a:schemeClr val="lt1"/>
+          </a:fontRef>
+        </p:style>
+        <p:txBody>
+          <a:bodyPr rtlCol="0" anchor="ctr"/>
+          <a:lstStyle/>
+          <a:p>
+            <a:pPr algn="ctr"/>
+            <a:endParaRPr lang="en-US"/>
+          </a:p>
+        </p:txBody>
+      </p:sp>
+      <p:sp>
+        <p:nvSpPr>
+          <p:cNvPr id="2" name="Title 1">
+            <a:extLst>
+              <a:ext uri="{FF2B5EF4-FFF2-40B4-BE49-F238E27FC236}">
+                <a16:creationId xmlns:a16="http://schemas.microsoft.com/office/drawing/2014/main" id="{6F91F670-CA35-4DA3-A685-2DAE9E945480}"/>
+              </a:ext>
+            </a:extLst>
+          </p:cNvPr>
+          <p:cNvSpPr>
+            <a:spLocks noGrp="1"/>
+          </p:cNvSpPr>
+          <p:nvPr>
+            <p:ph type="title"/>
+          </p:nvPr>
+        </p:nvSpPr>
+        <p:spPr>
+          <a:xfrm>
+            <a:off x="796972" y="789110"/>
+            <a:ext cx="1828800" cy="1828800"/>
+          </a:xfrm>
+          <a:prstGeom prst="ellipse">
+            <a:avLst/>
+          </a:prstGeom>
+          <a:noFill/>
+          <a:ln>
+            <a:solidFill>
+              <a:srgbClr val="FFFFFF"/>
+            </a:solidFill>
+          </a:ln>
+        </p:spPr>
+        <p:txBody>
+          <a:bodyPr vert="horz" lIns="182880" tIns="182880" rIns="182880" bIns="182880" rtlCol="0" anchor="ctr">
+            <a:normAutofit/>
+          </a:bodyPr>
+          <a:lstStyle/>
+          <a:p>
+            <a:r>
+              <a:rPr lang="en-US" sz="1100">
+                <a:solidFill>
+                  <a:srgbClr val="FFFFFF"/>
+                </a:solidFill>
+              </a:rPr>
+              <a:t>Step three – physical data</a:t>
+            </a:r>
+          </a:p>
+        </p:txBody>
+      </p:sp>
+      <p:pic>
+        <p:nvPicPr>
+          <p:cNvPr id="8" name="Picture 7">
+            <a:extLst>
+              <a:ext uri="{FF2B5EF4-FFF2-40B4-BE49-F238E27FC236}">
+                <a16:creationId xmlns:a16="http://schemas.microsoft.com/office/drawing/2014/main" id="{4A91664B-3160-460D-B250-38E6B101A9E0}"/>
+              </a:ext>
+            </a:extLst>
+          </p:cNvPr>
+          <p:cNvPicPr>
+            <a:picLocks noChangeAspect="1"/>
+          </p:cNvPicPr>
+          <p:nvPr/>
+        </p:nvPicPr>
+        <p:blipFill>
+          <a:blip r:embed="rId2"/>
+          <a:stretch>
+            <a:fillRect/>
+          </a:stretch>
+        </p:blipFill>
+        <p:spPr>
+          <a:xfrm>
+            <a:off x="2954956" y="1331034"/>
+            <a:ext cx="7415699" cy="4195931"/>
+          </a:xfrm>
+          <a:prstGeom prst="rect">
+            <a:avLst/>
+          </a:prstGeom>
+        </p:spPr>
+      </p:pic>
+    </p:spTree>
+    <p:extLst>
+      <p:ext uri="{BB962C8B-B14F-4D97-AF65-F5344CB8AC3E}">
+        <p14:creationId xmlns:p14="http://schemas.microsoft.com/office/powerpoint/2010/main" val="1548676864"/>
       </p:ext>
     </p:extLst>
   </p:cSld>
